--- a/javascript/ch#69-71/Presentation.pptx
+++ b/javascript/ch#69-71/Presentation.pptx
@@ -309,7 +309,7 @@
           <a:p>
             <a:fld id="{73C487FA-A9A8-4016-AD9D-9097715CEE64}" type="datetimeFigureOut">
               <a:rPr lang="en-US" smtClean="0"/>
-              <a:t>10-Dec-21</a:t>
+              <a:t>12-Dec-21</a:t>
             </a:fld>
             <a:endParaRPr lang="en-US"/>
           </a:p>
@@ -647,7 +647,7 @@
           <a:p>
             <a:fld id="{73C487FA-A9A8-4016-AD9D-9097715CEE64}" type="datetimeFigureOut">
               <a:rPr lang="en-US" smtClean="0"/>
-              <a:t>10-Dec-21</a:t>
+              <a:t>12-Dec-21</a:t>
             </a:fld>
             <a:endParaRPr lang="en-US"/>
           </a:p>
@@ -1048,7 +1048,7 @@
           <a:p>
             <a:fld id="{73C487FA-A9A8-4016-AD9D-9097715CEE64}" type="datetimeFigureOut">
               <a:rPr lang="en-US" smtClean="0"/>
-              <a:t>10-Dec-21</a:t>
+              <a:t>12-Dec-21</a:t>
             </a:fld>
             <a:endParaRPr lang="en-US"/>
           </a:p>
@@ -1384,7 +1384,7 @@
           <a:p>
             <a:fld id="{73C487FA-A9A8-4016-AD9D-9097715CEE64}" type="datetimeFigureOut">
               <a:rPr lang="en-US" smtClean="0"/>
-              <a:t>10-Dec-21</a:t>
+              <a:t>12-Dec-21</a:t>
             </a:fld>
             <a:endParaRPr lang="en-US"/>
           </a:p>
@@ -1704,7 +1704,7 @@
           <a:p>
             <a:fld id="{73C487FA-A9A8-4016-AD9D-9097715CEE64}" type="datetimeFigureOut">
               <a:rPr lang="en-US" smtClean="0"/>
-              <a:t>10-Dec-21</a:t>
+              <a:t>12-Dec-21</a:t>
             </a:fld>
             <a:endParaRPr lang="en-US"/>
           </a:p>
@@ -2100,7 +2100,7 @@
           <a:p>
             <a:fld id="{73C487FA-A9A8-4016-AD9D-9097715CEE64}" type="datetimeFigureOut">
               <a:rPr lang="en-US" smtClean="0"/>
-              <a:t>10-Dec-21</a:t>
+              <a:t>12-Dec-21</a:t>
             </a:fld>
             <a:endParaRPr lang="en-US"/>
           </a:p>
@@ -2357,7 +2357,7 @@
           <a:p>
             <a:fld id="{73C487FA-A9A8-4016-AD9D-9097715CEE64}" type="datetimeFigureOut">
               <a:rPr lang="en-US" smtClean="0"/>
-              <a:t>10-Dec-21</a:t>
+              <a:t>12-Dec-21</a:t>
             </a:fld>
             <a:endParaRPr lang="en-US"/>
           </a:p>
@@ -2619,7 +2619,7 @@
           <a:p>
             <a:fld id="{73C487FA-A9A8-4016-AD9D-9097715CEE64}" type="datetimeFigureOut">
               <a:rPr lang="en-US" smtClean="0"/>
-              <a:t>10-Dec-21</a:t>
+              <a:t>12-Dec-21</a:t>
             </a:fld>
             <a:endParaRPr lang="en-US"/>
           </a:p>
@@ -2881,7 +2881,7 @@
           <a:p>
             <a:fld id="{73C487FA-A9A8-4016-AD9D-9097715CEE64}" type="datetimeFigureOut">
               <a:rPr lang="en-US" smtClean="0"/>
-              <a:t>10-Dec-21</a:t>
+              <a:t>12-Dec-21</a:t>
             </a:fld>
             <a:endParaRPr lang="en-US"/>
           </a:p>
@@ -3210,7 +3210,7 @@
           <a:p>
             <a:fld id="{73C487FA-A9A8-4016-AD9D-9097715CEE64}" type="datetimeFigureOut">
               <a:rPr lang="en-US" smtClean="0"/>
-              <a:t>10-Dec-21</a:t>
+              <a:t>12-Dec-21</a:t>
             </a:fld>
             <a:endParaRPr lang="en-US"/>
           </a:p>
@@ -3533,7 +3533,7 @@
           <a:p>
             <a:fld id="{73C487FA-A9A8-4016-AD9D-9097715CEE64}" type="datetimeFigureOut">
               <a:rPr lang="en-US" smtClean="0"/>
-              <a:t>10-Dec-21</a:t>
+              <a:t>12-Dec-21</a:t>
             </a:fld>
             <a:endParaRPr lang="en-US"/>
           </a:p>
@@ -3990,7 +3990,7 @@
           <a:p>
             <a:fld id="{73C487FA-A9A8-4016-AD9D-9097715CEE64}" type="datetimeFigureOut">
               <a:rPr lang="en-US" smtClean="0"/>
-              <a:t>10-Dec-21</a:t>
+              <a:t>12-Dec-21</a:t>
             </a:fld>
             <a:endParaRPr lang="en-US"/>
           </a:p>
@@ -4195,7 +4195,7 @@
           <a:p>
             <a:fld id="{73C487FA-A9A8-4016-AD9D-9097715CEE64}" type="datetimeFigureOut">
               <a:rPr lang="en-US" smtClean="0"/>
-              <a:t>10-Dec-21</a:t>
+              <a:t>12-Dec-21</a:t>
             </a:fld>
             <a:endParaRPr lang="en-US"/>
           </a:p>
@@ -4372,7 +4372,7 @@
           <a:p>
             <a:fld id="{73C487FA-A9A8-4016-AD9D-9097715CEE64}" type="datetimeFigureOut">
               <a:rPr lang="en-US" smtClean="0"/>
-              <a:t>10-Dec-21</a:t>
+              <a:t>12-Dec-21</a:t>
             </a:fld>
             <a:endParaRPr lang="en-US"/>
           </a:p>
@@ -4705,7 +4705,7 @@
           <a:p>
             <a:fld id="{73C487FA-A9A8-4016-AD9D-9097715CEE64}" type="datetimeFigureOut">
               <a:rPr lang="en-US" smtClean="0"/>
-              <a:t>10-Dec-21</a:t>
+              <a:t>12-Dec-21</a:t>
             </a:fld>
             <a:endParaRPr lang="en-US"/>
           </a:p>
@@ -5050,7 +5050,7 @@
           <a:p>
             <a:fld id="{73C487FA-A9A8-4016-AD9D-9097715CEE64}" type="datetimeFigureOut">
               <a:rPr lang="en-US" smtClean="0"/>
-              <a:t>10-Dec-21</a:t>
+              <a:t>12-Dec-21</a:t>
             </a:fld>
             <a:endParaRPr lang="en-US"/>
           </a:p>
@@ -7167,7 +7167,7 @@
           <a:p>
             <a:fld id="{73C487FA-A9A8-4016-AD9D-9097715CEE64}" type="datetimeFigureOut">
               <a:rPr lang="en-US" smtClean="0"/>
-              <a:t>10-Dec-21</a:t>
+              <a:t>12-Dec-21</a:t>
             </a:fld>
             <a:endParaRPr lang="en-US"/>
           </a:p>
@@ -8600,7 +8600,7 @@
         </p:spPr>
         <p:txBody>
           <a:bodyPr>
-            <a:normAutofit fontScale="92500" lnSpcReduction="20000"/>
+            <a:normAutofit/>
           </a:bodyPr>
           <a:lstStyle/>
           <a:p>
@@ -8680,47 +8680,13 @@
               <a:t>user.fullName</a:t>
             </a:r>
             <a:r>
-              <a:rPr lang="en-US" sz="2000" dirty="0">
+              <a:rPr lang="en-US" sz="2000">
                 <a:latin typeface="Consolas" panose="020B0609020204030204" pitchFamily="49" charset="0"/>
                 <a:cs typeface="Calibri" panose="020F0502020204030204" pitchFamily="34" charset="0"/>
               </a:rPr>
               <a:t>()</a:t>
             </a:r>
-          </a:p>
-          <a:p>
-            <a:pPr marL="0" indent="0" algn="ctr">
-              <a:buNone/>
-            </a:pPr>
             <a:endParaRPr lang="en-US" sz="2000" dirty="0">
-              <a:latin typeface="Consolas" panose="020B0609020204030204" pitchFamily="49" charset="0"/>
-              <a:cs typeface="Calibri" panose="020F0502020204030204" pitchFamily="34" charset="0"/>
-            </a:endParaRPr>
-          </a:p>
-          <a:p>
-            <a:pPr marL="0" indent="0" algn="ctr">
-              <a:buNone/>
-            </a:pPr>
-            <a:endParaRPr lang="en-US" sz="2000" dirty="0">
-              <a:latin typeface="Consolas" panose="020B0609020204030204" pitchFamily="49" charset="0"/>
-              <a:cs typeface="Calibri" panose="020F0502020204030204" pitchFamily="34" charset="0"/>
-            </a:endParaRPr>
-          </a:p>
-          <a:p>
-            <a:pPr marL="0" indent="0">
-              <a:buNone/>
-            </a:pPr>
-            <a:r>
-              <a:rPr lang="en-US" sz="2000" b="1" dirty="0">
-                <a:solidFill>
-                  <a:srgbClr val="FF0000"/>
-                </a:solidFill>
-              </a:rPr>
-              <a:t>*[0] is the first element in an array. [1] is the second and so on. Array indexes start with 0.</a:t>
-            </a:r>
-            <a:endParaRPr lang="en-US" sz="2000" b="1" dirty="0">
-              <a:solidFill>
-                <a:srgbClr val="FF0000"/>
-              </a:solidFill>
               <a:latin typeface="Consolas" panose="020B0609020204030204" pitchFamily="49" charset="0"/>
               <a:cs typeface="Calibri" panose="020F0502020204030204" pitchFamily="34" charset="0"/>
             </a:endParaRPr>
